--- a/Readme.pptx
+++ b/Readme.pptx
@@ -3851,7 +3851,7 @@
             </a:pPr>
             <a:r>
               <a:rPr lang="en-US" dirty="0"/>
-              <a:t>Create the folder </a:t>
+              <a:t>Select a home directory for optimization. Create the folder </a:t>
             </a:r>
             <a:r>
               <a:rPr lang="en-US" dirty="0" err="1"/>
@@ -3875,7 +3875,7 @@
             </a:r>
             <a:r>
               <a:rPr lang="en-US" dirty="0"/>
-              <a:t>/opt”. </a:t>
+              <a:t>/opt” in the home directory. </a:t>
             </a:r>
           </a:p>
           <a:p>
